--- a/BLP Final Presentation.pptx
+++ b/BLP Final Presentation.pptx
@@ -2927,9 +2927,9 @@
     <dgm:cxn modelId="{84DFD710-BF30-4547-A122-20F516529089}" type="presOf" srcId="{A388B295-FB1C-0E4A-845F-30B3870257C4}" destId="{92BDBE2D-8052-8343-80DA-580DA93EC313}" srcOrd="0" destOrd="0" presId="urn:microsoft.com/office/officeart/2005/8/layout/vList2"/>
     <dgm:cxn modelId="{E2170934-87B4-3E45-95BD-16EEFA77CF97}" srcId="{48212E55-BBD6-0648-AF7B-EA8F8C7537BF}" destId="{4A315514-F185-E242-A1D4-48B3B713D2A5}" srcOrd="1" destOrd="0" parTransId="{B63C1B93-02BE-E44F-BEF8-0465BD451EEC}" sibTransId="{20CFABD4-4A52-3E4B-BB92-91E0A299FC73}"/>
     <dgm:cxn modelId="{DF5EE83F-8BEC-C14F-91DB-814460532328}" type="presOf" srcId="{40A1D6E5-083E-2D40-AB40-A7062A9C492A}" destId="{A70DB48B-64D8-2143-BBA4-3334DEAFBC07}" srcOrd="0" destOrd="0" presId="urn:microsoft.com/office/officeart/2005/8/layout/vList2"/>
+    <dgm:cxn modelId="{5790405B-AD5F-B34E-9F0A-80A8F3544898}" type="presOf" srcId="{48212E55-BBD6-0648-AF7B-EA8F8C7537BF}" destId="{5391D209-CC93-BC45-8631-10EE9072C417}" srcOrd="0" destOrd="0" presId="urn:microsoft.com/office/officeart/2005/8/layout/vList2"/>
     <dgm:cxn modelId="{9373A151-BFBC-3144-AED3-C871FFB6FB66}" type="presOf" srcId="{4A315514-F185-E242-A1D4-48B3B713D2A5}" destId="{1AB6CBBF-174A-9E47-B87A-876962FDE2FF}" srcOrd="0" destOrd="0" presId="urn:microsoft.com/office/officeart/2005/8/layout/vList2"/>
     <dgm:cxn modelId="{569C4D55-F552-044E-8ED1-F22D173A305C}" srcId="{48212E55-BBD6-0648-AF7B-EA8F8C7537BF}" destId="{40A1D6E5-083E-2D40-AB40-A7062A9C492A}" srcOrd="0" destOrd="0" parTransId="{0AC8C828-824F-564B-90B6-303B22C14A7F}" sibTransId="{0F26F76E-E53B-0847-A3D4-B8C91F6DC720}"/>
-    <dgm:cxn modelId="{5790405B-AD5F-B34E-9F0A-80A8F3544898}" type="presOf" srcId="{48212E55-BBD6-0648-AF7B-EA8F8C7537BF}" destId="{5391D209-CC93-BC45-8631-10EE9072C417}" srcOrd="0" destOrd="0" presId="urn:microsoft.com/office/officeart/2005/8/layout/vList2"/>
     <dgm:cxn modelId="{B017BE7E-7CF7-C54F-99FA-842A6756294D}" type="presParOf" srcId="{5391D209-CC93-BC45-8631-10EE9072C417}" destId="{A70DB48B-64D8-2143-BBA4-3334DEAFBC07}" srcOrd="0" destOrd="0" presId="urn:microsoft.com/office/officeart/2005/8/layout/vList2"/>
     <dgm:cxn modelId="{FFC7067E-4E58-BB40-AFD9-643DEA849A02}" type="presParOf" srcId="{5391D209-CC93-BC45-8631-10EE9072C417}" destId="{9AD64BAC-4AED-8746-9AD8-2781085B0A25}" srcOrd="1" destOrd="0" presId="urn:microsoft.com/office/officeart/2005/8/layout/vList2"/>
     <dgm:cxn modelId="{D34E461D-06A4-7F41-A062-780162E16F7E}" type="presParOf" srcId="{5391D209-CC93-BC45-8631-10EE9072C417}" destId="{1AB6CBBF-174A-9E47-B87A-876962FDE2FF}" srcOrd="2" destOrd="0" presId="urn:microsoft.com/office/officeart/2005/8/layout/vList2"/>
@@ -8536,7 +8536,7 @@
           <a:p>
             <a:fld id="{49D7C40F-60AD-6E4A-AB9F-9E1672193378}" type="datetimeFigureOut">
               <a:rPr lang="en-US" smtClean="0"/>
-              <a:t>2/14/19</a:t>
+              <a:t>2/16/2019</a:t>
             </a:fld>
             <a:endParaRPr lang="en-US"/>
           </a:p>
@@ -9995,7 +9995,7 @@
           <a:p>
             <a:fld id="{3DD42800-69EF-5B42-BB26-DCF7E9AF3356}" type="datetimeFigureOut">
               <a:rPr lang="en-US" smtClean="0"/>
-              <a:t>2/14/19</a:t>
+              <a:t>2/16/2019</a:t>
             </a:fld>
             <a:endParaRPr lang="en-US"/>
           </a:p>
@@ -10065,6 +10065,14 @@
   <p:clrMapOvr>
     <a:masterClrMapping/>
   </p:clrMapOvr>
+  <mc:AlternateContent xmlns:mc="http://schemas.openxmlformats.org/markup-compatibility/2006">
+    <mc:Choice xmlns:p14="http://schemas.microsoft.com/office/powerpoint/2010/main" Requires="p14">
+      <p:transition spd="slow" p14:dur="2000" advClick="0" advTm="9000"/>
+    </mc:Choice>
+    <mc:Fallback>
+      <p:transition spd="slow" advClick="0" advTm="9000"/>
+    </mc:Fallback>
+  </mc:AlternateContent>
 </p:sldLayout>
 </file>
 
@@ -10193,7 +10201,7 @@
           <a:p>
             <a:fld id="{3DD42800-69EF-5B42-BB26-DCF7E9AF3356}" type="datetimeFigureOut">
               <a:rPr lang="en-US" smtClean="0"/>
-              <a:t>2/14/19</a:t>
+              <a:t>2/16/2019</a:t>
             </a:fld>
             <a:endParaRPr lang="en-US"/>
           </a:p>
@@ -10263,6 +10271,14 @@
   <p:clrMapOvr>
     <a:masterClrMapping/>
   </p:clrMapOvr>
+  <mc:AlternateContent xmlns:mc="http://schemas.openxmlformats.org/markup-compatibility/2006">
+    <mc:Choice xmlns:p14="http://schemas.microsoft.com/office/powerpoint/2010/main" Requires="p14">
+      <p:transition spd="slow" p14:dur="2000" advClick="0" advTm="9000"/>
+    </mc:Choice>
+    <mc:Fallback>
+      <p:transition spd="slow" advClick="0" advTm="9000"/>
+    </mc:Fallback>
+  </mc:AlternateContent>
 </p:sldLayout>
 </file>
 
@@ -10401,7 +10417,7 @@
           <a:p>
             <a:fld id="{3DD42800-69EF-5B42-BB26-DCF7E9AF3356}" type="datetimeFigureOut">
               <a:rPr lang="en-US" smtClean="0"/>
-              <a:t>2/14/19</a:t>
+              <a:t>2/16/2019</a:t>
             </a:fld>
             <a:endParaRPr lang="en-US"/>
           </a:p>
@@ -10471,6 +10487,14 @@
   <p:clrMapOvr>
     <a:masterClrMapping/>
   </p:clrMapOvr>
+  <mc:AlternateContent xmlns:mc="http://schemas.openxmlformats.org/markup-compatibility/2006">
+    <mc:Choice xmlns:p14="http://schemas.microsoft.com/office/powerpoint/2010/main" Requires="p14">
+      <p:transition spd="slow" p14:dur="2000" advClick="0" advTm="9000"/>
+    </mc:Choice>
+    <mc:Fallback>
+      <p:transition spd="slow" advClick="0" advTm="9000"/>
+    </mc:Fallback>
+  </mc:AlternateContent>
 </p:sldLayout>
 </file>
 
@@ -10599,7 +10623,7 @@
           <a:p>
             <a:fld id="{3DD42800-69EF-5B42-BB26-DCF7E9AF3356}" type="datetimeFigureOut">
               <a:rPr lang="en-US" smtClean="0"/>
-              <a:t>2/14/19</a:t>
+              <a:t>2/16/2019</a:t>
             </a:fld>
             <a:endParaRPr lang="en-US"/>
           </a:p>
@@ -10669,6 +10693,14 @@
   <p:clrMapOvr>
     <a:masterClrMapping/>
   </p:clrMapOvr>
+  <mc:AlternateContent xmlns:mc="http://schemas.openxmlformats.org/markup-compatibility/2006">
+    <mc:Choice xmlns:p14="http://schemas.microsoft.com/office/powerpoint/2010/main" Requires="p14">
+      <p:transition spd="slow" p14:dur="2000" advClick="0" advTm="9000"/>
+    </mc:Choice>
+    <mc:Fallback>
+      <p:transition spd="slow" advClick="0" advTm="9000"/>
+    </mc:Fallback>
+  </mc:AlternateContent>
 </p:sldLayout>
 </file>
 
@@ -10874,7 +10906,7 @@
           <a:p>
             <a:fld id="{3DD42800-69EF-5B42-BB26-DCF7E9AF3356}" type="datetimeFigureOut">
               <a:rPr lang="en-US" smtClean="0"/>
-              <a:t>2/14/19</a:t>
+              <a:t>2/16/2019</a:t>
             </a:fld>
             <a:endParaRPr lang="en-US"/>
           </a:p>
@@ -10944,6 +10976,14 @@
   <p:clrMapOvr>
     <a:masterClrMapping/>
   </p:clrMapOvr>
+  <mc:AlternateContent xmlns:mc="http://schemas.openxmlformats.org/markup-compatibility/2006">
+    <mc:Choice xmlns:p14="http://schemas.microsoft.com/office/powerpoint/2010/main" Requires="p14">
+      <p:transition spd="slow" p14:dur="2000" advClick="0" advTm="9000"/>
+    </mc:Choice>
+    <mc:Fallback>
+      <p:transition spd="slow" advClick="0" advTm="9000"/>
+    </mc:Fallback>
+  </mc:AlternateContent>
 </p:sldLayout>
 </file>
 
@@ -11139,7 +11179,7 @@
           <a:p>
             <a:fld id="{3DD42800-69EF-5B42-BB26-DCF7E9AF3356}" type="datetimeFigureOut">
               <a:rPr lang="en-US" smtClean="0"/>
-              <a:t>2/14/19</a:t>
+              <a:t>2/16/2019</a:t>
             </a:fld>
             <a:endParaRPr lang="en-US"/>
           </a:p>
@@ -11209,6 +11249,14 @@
   <p:clrMapOvr>
     <a:masterClrMapping/>
   </p:clrMapOvr>
+  <mc:AlternateContent xmlns:mc="http://schemas.openxmlformats.org/markup-compatibility/2006">
+    <mc:Choice xmlns:p14="http://schemas.microsoft.com/office/powerpoint/2010/main" Requires="p14">
+      <p:transition spd="slow" p14:dur="2000" advClick="0" advTm="9000"/>
+    </mc:Choice>
+    <mc:Fallback>
+      <p:transition spd="slow" advClick="0" advTm="9000"/>
+    </mc:Fallback>
+  </mc:AlternateContent>
 </p:sldLayout>
 </file>
 
@@ -11551,7 +11599,7 @@
           <a:p>
             <a:fld id="{3DD42800-69EF-5B42-BB26-DCF7E9AF3356}" type="datetimeFigureOut">
               <a:rPr lang="en-US" smtClean="0"/>
-              <a:t>2/14/19</a:t>
+              <a:t>2/16/2019</a:t>
             </a:fld>
             <a:endParaRPr lang="en-US"/>
           </a:p>
@@ -11621,6 +11669,14 @@
   <p:clrMapOvr>
     <a:masterClrMapping/>
   </p:clrMapOvr>
+  <mc:AlternateContent xmlns:mc="http://schemas.openxmlformats.org/markup-compatibility/2006">
+    <mc:Choice xmlns:p14="http://schemas.microsoft.com/office/powerpoint/2010/main" Requires="p14">
+      <p:transition spd="slow" p14:dur="2000" advClick="0" advTm="9000"/>
+    </mc:Choice>
+    <mc:Fallback>
+      <p:transition spd="slow" advClick="0" advTm="9000"/>
+    </mc:Fallback>
+  </mc:AlternateContent>
 </p:sldLayout>
 </file>
 
@@ -11692,7 +11748,7 @@
           <a:p>
             <a:fld id="{3DD42800-69EF-5B42-BB26-DCF7E9AF3356}" type="datetimeFigureOut">
               <a:rPr lang="en-US" smtClean="0"/>
-              <a:t>2/14/19</a:t>
+              <a:t>2/16/2019</a:t>
             </a:fld>
             <a:endParaRPr lang="en-US"/>
           </a:p>
@@ -11762,6 +11818,14 @@
   <p:clrMapOvr>
     <a:masterClrMapping/>
   </p:clrMapOvr>
+  <mc:AlternateContent xmlns:mc="http://schemas.openxmlformats.org/markup-compatibility/2006">
+    <mc:Choice xmlns:p14="http://schemas.microsoft.com/office/powerpoint/2010/main" Requires="p14">
+      <p:transition spd="slow" p14:dur="2000" advClick="0" advTm="9000"/>
+    </mc:Choice>
+    <mc:Fallback>
+      <p:transition spd="slow" advClick="0" advTm="9000"/>
+    </mc:Fallback>
+  </mc:AlternateContent>
 </p:sldLayout>
 </file>
 
@@ -11805,7 +11869,7 @@
           <a:p>
             <a:fld id="{3DD42800-69EF-5B42-BB26-DCF7E9AF3356}" type="datetimeFigureOut">
               <a:rPr lang="en-US" smtClean="0"/>
-              <a:t>2/14/19</a:t>
+              <a:t>2/16/2019</a:t>
             </a:fld>
             <a:endParaRPr lang="en-US"/>
           </a:p>
@@ -11875,6 +11939,14 @@
   <p:clrMapOvr>
     <a:masterClrMapping/>
   </p:clrMapOvr>
+  <mc:AlternateContent xmlns:mc="http://schemas.openxmlformats.org/markup-compatibility/2006">
+    <mc:Choice xmlns:p14="http://schemas.microsoft.com/office/powerpoint/2010/main" Requires="p14">
+      <p:transition spd="slow" p14:dur="2000" advClick="0" advTm="9000"/>
+    </mc:Choice>
+    <mc:Fallback>
+      <p:transition spd="slow" advClick="0" advTm="9000"/>
+    </mc:Fallback>
+  </mc:AlternateContent>
 </p:sldLayout>
 </file>
 
@@ -12116,7 +12188,7 @@
           <a:p>
             <a:fld id="{3DD42800-69EF-5B42-BB26-DCF7E9AF3356}" type="datetimeFigureOut">
               <a:rPr lang="en-US" smtClean="0"/>
-              <a:t>2/14/19</a:t>
+              <a:t>2/16/2019</a:t>
             </a:fld>
             <a:endParaRPr lang="en-US"/>
           </a:p>
@@ -12186,6 +12258,14 @@
   <p:clrMapOvr>
     <a:masterClrMapping/>
   </p:clrMapOvr>
+  <mc:AlternateContent xmlns:mc="http://schemas.openxmlformats.org/markup-compatibility/2006">
+    <mc:Choice xmlns:p14="http://schemas.microsoft.com/office/powerpoint/2010/main" Requires="p14">
+      <p:transition spd="slow" p14:dur="2000" advClick="0" advTm="9000"/>
+    </mc:Choice>
+    <mc:Fallback>
+      <p:transition spd="slow" advClick="0" advTm="9000"/>
+    </mc:Fallback>
+  </mc:AlternateContent>
 </p:sldLayout>
 </file>
 
@@ -12404,7 +12484,7 @@
           <a:p>
             <a:fld id="{3DD42800-69EF-5B42-BB26-DCF7E9AF3356}" type="datetimeFigureOut">
               <a:rPr lang="en-US" smtClean="0"/>
-              <a:t>2/14/19</a:t>
+              <a:t>2/16/2019</a:t>
             </a:fld>
             <a:endParaRPr lang="en-US"/>
           </a:p>
@@ -12474,6 +12554,14 @@
   <p:clrMapOvr>
     <a:masterClrMapping/>
   </p:clrMapOvr>
+  <mc:AlternateContent xmlns:mc="http://schemas.openxmlformats.org/markup-compatibility/2006">
+    <mc:Choice xmlns:p14="http://schemas.microsoft.com/office/powerpoint/2010/main" Requires="p14">
+      <p:transition spd="slow" p14:dur="2000" advClick="0" advTm="9000"/>
+    </mc:Choice>
+    <mc:Fallback>
+      <p:transition spd="slow" advClick="0" advTm="9000"/>
+    </mc:Fallback>
+  </mc:AlternateContent>
 </p:sldLayout>
 </file>
 
@@ -12645,7 +12733,7 @@
           <a:p>
             <a:fld id="{3DD42800-69EF-5B42-BB26-DCF7E9AF3356}" type="datetimeFigureOut">
               <a:rPr lang="en-US" smtClean="0"/>
-              <a:t>2/14/19</a:t>
+              <a:t>2/16/2019</a:t>
             </a:fld>
             <a:endParaRPr lang="en-US"/>
           </a:p>
@@ -12762,6 +12850,14 @@
     <p:sldLayoutId id="2147483658" r:id="rId10"/>
     <p:sldLayoutId id="2147483659" r:id="rId11"/>
   </p:sldLayoutIdLst>
+  <mc:AlternateContent xmlns:mc="http://schemas.openxmlformats.org/markup-compatibility/2006">
+    <mc:Choice xmlns:p14="http://schemas.microsoft.com/office/powerpoint/2010/main" Requires="p14">
+      <p:transition spd="slow" p14:dur="2000" advClick="0" advTm="9000"/>
+    </mc:Choice>
+    <mc:Fallback>
+      <p:transition spd="slow" advClick="0" advTm="9000"/>
+    </mc:Fallback>
+  </mc:AlternateContent>
   <p:txStyles>
     <p:titleStyle>
       <a:lvl1pPr algn="l" defTabSz="914400" rtl="0" eaLnBrk="1" latinLnBrk="0" hangingPunct="1">
@@ -13095,18 +13191,18 @@
         </p:nvSpPr>
         <p:spPr>
           <a:xfrm>
-            <a:off x="888274" y="87086"/>
-            <a:ext cx="9144000" cy="1881052"/>
+            <a:off x="888274" y="87087"/>
+            <a:ext cx="9144000" cy="834348"/>
           </a:xfrm>
         </p:spPr>
         <p:txBody>
           <a:bodyPr>
-            <a:normAutofit fontScale="90000"/>
+            <a:normAutofit/>
           </a:bodyPr>
           <a:lstStyle/>
           <a:p>
             <a:r>
-              <a:rPr lang="en-US" sz="12500" b="1" dirty="0">
+              <a:rPr lang="en-US" sz="5400" b="1" dirty="0">
                 <a:solidFill>
                   <a:schemeClr val="bg1"/>
                 </a:solidFill>
@@ -13132,8 +13228,8 @@
         </p:nvSpPr>
         <p:spPr>
           <a:xfrm>
-            <a:off x="91439" y="2481944"/>
-            <a:ext cx="2817223" cy="4288970"/>
+            <a:off x="8464061" y="3347275"/>
+            <a:ext cx="3727939" cy="3943307"/>
           </a:xfrm>
           <a:prstGeom prst="rect">
             <a:avLst/>
@@ -13147,9 +13243,7 @@
             <a:r>
               <a:rPr lang="en-US" sz="3600" b="1" dirty="0">
                 <a:solidFill>
-                  <a:schemeClr val="bg1">
-                    <a:lumMod val="95000"/>
-                  </a:schemeClr>
+                  <a:schemeClr val="bg1"/>
                 </a:solidFill>
                 <a:latin typeface="Adobe Naskh Medium" pitchFamily="2" charset="-78"/>
                 <a:cs typeface="Adobe Naskh Medium" pitchFamily="2" charset="-78"/>
@@ -13162,9 +13256,7 @@
             <a:r>
               <a:rPr lang="en-US" sz="3600" b="1" dirty="0">
                 <a:solidFill>
-                  <a:schemeClr val="bg1">
-                    <a:lumMod val="95000"/>
-                  </a:schemeClr>
+                  <a:schemeClr val="bg1"/>
                 </a:solidFill>
                 <a:latin typeface="Adobe Naskh Medium" pitchFamily="2" charset="-78"/>
                 <a:cs typeface="Adobe Naskh Medium" pitchFamily="2" charset="-78"/>
@@ -13177,9 +13269,7 @@
             <a:r>
               <a:rPr lang="en-US" sz="3600" b="1" dirty="0">
                 <a:solidFill>
-                  <a:schemeClr val="bg1">
-                    <a:lumMod val="95000"/>
-                  </a:schemeClr>
+                  <a:schemeClr val="bg1"/>
                 </a:solidFill>
                 <a:latin typeface="Adobe Naskh Medium" pitchFamily="2" charset="-78"/>
                 <a:cs typeface="Adobe Naskh Medium" pitchFamily="2" charset="-78"/>
@@ -13189,9 +13279,7 @@
             <a:r>
               <a:rPr lang="en-US" sz="3600" b="1" dirty="0" err="1">
                 <a:solidFill>
-                  <a:schemeClr val="bg1">
-                    <a:lumMod val="95000"/>
-                  </a:schemeClr>
+                  <a:schemeClr val="bg1"/>
                 </a:solidFill>
                 <a:latin typeface="Adobe Naskh Medium" pitchFamily="2" charset="-78"/>
                 <a:cs typeface="Adobe Naskh Medium" pitchFamily="2" charset="-78"/>
@@ -13200,9 +13288,7 @@
             </a:r>
             <a:endParaRPr lang="en-US" sz="3600" b="1" dirty="0">
               <a:solidFill>
-                <a:schemeClr val="bg1">
-                  <a:lumMod val="95000"/>
-                </a:schemeClr>
+                <a:schemeClr val="bg1"/>
               </a:solidFill>
               <a:latin typeface="Adobe Naskh Medium" pitchFamily="2" charset="-78"/>
               <a:cs typeface="Adobe Naskh Medium" pitchFamily="2" charset="-78"/>
@@ -13213,9 +13299,7 @@
             <a:r>
               <a:rPr lang="en-US" sz="3600" b="1" dirty="0">
                 <a:solidFill>
-                  <a:schemeClr val="bg1">
-                    <a:lumMod val="95000"/>
-                  </a:schemeClr>
+                  <a:schemeClr val="bg1"/>
                 </a:solidFill>
                 <a:latin typeface="Adobe Naskh Medium" pitchFamily="2" charset="-78"/>
                 <a:cs typeface="Adobe Naskh Medium" pitchFamily="2" charset="-78"/>
@@ -13228,9 +13312,7 @@
             <a:r>
               <a:rPr lang="en-US" sz="3600" b="1" dirty="0">
                 <a:solidFill>
-                  <a:schemeClr val="bg1">
-                    <a:lumMod val="95000"/>
-                  </a:schemeClr>
+                  <a:schemeClr val="bg1"/>
                 </a:solidFill>
                 <a:latin typeface="Adobe Naskh Medium" pitchFamily="2" charset="-78"/>
                 <a:cs typeface="Adobe Naskh Medium" pitchFamily="2" charset="-78"/>
@@ -13243,9 +13325,7 @@
             <a:r>
               <a:rPr lang="en-US" sz="3600" b="1" dirty="0" err="1">
                 <a:solidFill>
-                  <a:schemeClr val="bg1">
-                    <a:lumMod val="95000"/>
-                  </a:schemeClr>
+                  <a:schemeClr val="bg1"/>
                 </a:solidFill>
                 <a:latin typeface="Adobe Naskh Medium" pitchFamily="2" charset="-78"/>
                 <a:cs typeface="Adobe Naskh Medium" pitchFamily="2" charset="-78"/>
@@ -13255,9 +13335,7 @@
             <a:r>
               <a:rPr lang="en-US" sz="3600" b="1" dirty="0">
                 <a:solidFill>
-                  <a:schemeClr val="bg1">
-                    <a:lumMod val="95000"/>
-                  </a:schemeClr>
+                  <a:schemeClr val="bg1"/>
                 </a:solidFill>
                 <a:latin typeface="Adobe Naskh Medium" pitchFamily="2" charset="-78"/>
                 <a:cs typeface="Adobe Naskh Medium" pitchFamily="2" charset="-78"/>
@@ -13266,9 +13344,7 @@
             </a:r>
             <a:endParaRPr lang="en-US" sz="2400" b="1" dirty="0">
               <a:solidFill>
-                <a:schemeClr val="bg1">
-                  <a:lumMod val="95000"/>
-                </a:schemeClr>
+                <a:schemeClr val="bg1"/>
               </a:solidFill>
               <a:latin typeface="Adobe Naskh Medium" pitchFamily="2" charset="-78"/>
               <a:cs typeface="Adobe Naskh Medium" pitchFamily="2" charset="-78"/>
@@ -13304,8 +13380,8 @@
         </p:blipFill>
         <p:spPr>
           <a:xfrm>
-            <a:off x="10175965" y="171994"/>
-            <a:ext cx="1319349" cy="1319349"/>
+            <a:off x="8571914" y="-44379"/>
+            <a:ext cx="726831" cy="726831"/>
           </a:xfrm>
           <a:prstGeom prst="rect">
             <a:avLst/>
@@ -13322,6 +13398,14 @@
   <p:clrMapOvr>
     <a:masterClrMapping/>
   </p:clrMapOvr>
+  <mc:AlternateContent xmlns:mc="http://schemas.openxmlformats.org/markup-compatibility/2006">
+    <mc:Choice xmlns:p14="http://schemas.microsoft.com/office/powerpoint/2010/main" Requires="p14">
+      <p:transition spd="slow" p14:dur="2000" advClick="0" advTm="9000"/>
+    </mc:Choice>
+    <mc:Fallback>
+      <p:transition spd="slow" advClick="0" advTm="9000"/>
+    </mc:Fallback>
+  </mc:AlternateContent>
 </p:sld>
 </file>
 
@@ -13436,7 +13520,7 @@
         </p:nvSpPr>
         <p:spPr>
           <a:xfrm>
-            <a:off x="546351" y="433545"/>
+            <a:off x="558130" y="323560"/>
             <a:ext cx="11139854" cy="1262251"/>
           </a:xfrm>
         </p:spPr>
@@ -13448,7 +13532,7 @@
           <a:p>
             <a:pPr algn="ctr"/>
             <a:r>
-              <a:rPr lang="en-US" sz="8000" dirty="0">
+              <a:rPr lang="en-US" sz="5400" dirty="0">
                 <a:solidFill>
                   <a:srgbClr val="FFFFFF"/>
                 </a:solidFill>
@@ -13636,6 +13720,14 @@
   <p:clrMapOvr>
     <a:masterClrMapping/>
   </p:clrMapOvr>
+  <mc:AlternateContent xmlns:mc="http://schemas.openxmlformats.org/markup-compatibility/2006">
+    <mc:Choice xmlns:p14="http://schemas.microsoft.com/office/powerpoint/2010/main" Requires="p14">
+      <p:transition spd="slow" p14:dur="2000" advClick="0" advTm="9000"/>
+    </mc:Choice>
+    <mc:Fallback>
+      <p:transition spd="slow" advClick="0" advTm="9000"/>
+    </mc:Fallback>
+  </mc:AlternateContent>
 </p:sld>
 </file>
 
@@ -13791,7 +13883,7 @@
           <a:lstStyle/>
           <a:p>
             <a:r>
-              <a:rPr lang="en-US" sz="3000">
+              <a:rPr lang="en-US" sz="3000" dirty="0">
                 <a:solidFill>
                   <a:srgbClr val="FFFFFF"/>
                 </a:solidFill>
@@ -13880,6 +13972,14 @@
   <p:clrMapOvr>
     <a:masterClrMapping/>
   </p:clrMapOvr>
+  <mc:AlternateContent xmlns:mc="http://schemas.openxmlformats.org/markup-compatibility/2006">
+    <mc:Choice xmlns:p14="http://schemas.microsoft.com/office/powerpoint/2010/main" Requires="p14">
+      <p:transition spd="slow" p14:dur="2000" advClick="0" advTm="9000"/>
+    </mc:Choice>
+    <mc:Fallback>
+      <p:transition spd="slow" advClick="0" advTm="9000"/>
+    </mc:Fallback>
+  </mc:AlternateContent>
 </p:sld>
 </file>
 
@@ -14410,8 +14510,8 @@
         </p:nvSpPr>
         <p:spPr>
           <a:xfrm>
-            <a:off x="863029" y="1012004"/>
-            <a:ext cx="3416158" cy="2853414"/>
+            <a:off x="863028" y="1012004"/>
+            <a:ext cx="3610497" cy="2416996"/>
           </a:xfrm>
         </p:spPr>
         <p:txBody>
@@ -14420,6 +14520,17 @@
           </a:bodyPr>
           <a:lstStyle/>
           <a:p>
+            <a:pPr algn="ctr"/>
+            <a:r>
+              <a:rPr lang="en-US" sz="6000" dirty="0">
+                <a:solidFill>
+                  <a:srgbClr val="FFFFFF"/>
+                </a:solidFill>
+                <a:latin typeface="Adobe Naskh Medium" pitchFamily="2" charset="-78"/>
+                <a:cs typeface="Adobe Naskh Medium" pitchFamily="2" charset="-78"/>
+              </a:rPr>
+              <a:t>Lessons Learned</a:t>
+            </a:r>
             <a:r>
               <a:rPr lang="en-US" sz="11500" dirty="0">
                 <a:solidFill>
@@ -14428,7 +14539,7 @@
                 <a:latin typeface="Adobe Naskh Medium" pitchFamily="2" charset="-78"/>
                 <a:cs typeface="Adobe Naskh Medium" pitchFamily="2" charset="-78"/>
               </a:rPr>
-              <a:t>Lessons Learned </a:t>
+              <a:t> </a:t>
             </a:r>
           </a:p>
         </p:txBody>
@@ -14478,8 +14589,8 @@
         </p:nvSpPr>
         <p:spPr>
           <a:xfrm>
-            <a:off x="1039091" y="4339243"/>
-            <a:ext cx="2845651" cy="707886"/>
+            <a:off x="675249" y="4339243"/>
+            <a:ext cx="3981157" cy="707886"/>
           </a:xfrm>
           <a:prstGeom prst="rect">
             <a:avLst/>
@@ -14496,7 +14607,7 @@
           </a:ln>
         </p:spPr>
         <p:txBody>
-          <a:bodyPr wrap="none" rtlCol="0">
+          <a:bodyPr wrap="square" rtlCol="0">
             <a:spAutoFit/>
           </a:bodyPr>
           <a:lstStyle/>
@@ -14538,6 +14649,14 @@
   <p:clrMapOvr>
     <a:masterClrMapping/>
   </p:clrMapOvr>
+  <mc:AlternateContent xmlns:mc="http://schemas.openxmlformats.org/markup-compatibility/2006">
+    <mc:Choice xmlns:p14="http://schemas.microsoft.com/office/powerpoint/2010/main" Requires="p14">
+      <p:transition spd="slow" p14:dur="2000" advClick="0" advTm="9000"/>
+    </mc:Choice>
+    <mc:Fallback>
+      <p:transition spd="slow" advClick="0" advTm="9000"/>
+    </mc:Fallback>
+  </mc:AlternateContent>
 </p:sld>
 </file>
 
@@ -14657,7 +14776,7 @@
         <p:spPr>
           <a:xfrm>
             <a:off x="674237" y="914400"/>
-            <a:ext cx="3657600" cy="2887579"/>
+            <a:ext cx="3657600" cy="2735621"/>
           </a:xfrm>
         </p:spPr>
         <p:txBody>
@@ -14816,6 +14935,14 @@
   <p:clrMapOvr>
     <a:masterClrMapping/>
   </p:clrMapOvr>
+  <mc:AlternateContent xmlns:mc="http://schemas.openxmlformats.org/markup-compatibility/2006">
+    <mc:Choice xmlns:p14="http://schemas.microsoft.com/office/powerpoint/2010/main" Requires="p14">
+      <p:transition spd="slow" p14:dur="2000" advClick="0" advTm="9000"/>
+    </mc:Choice>
+    <mc:Fallback>
+      <p:transition spd="slow" advClick="0" advTm="9000"/>
+    </mc:Fallback>
+  </mc:AlternateContent>
 </p:sld>
 </file>
 
@@ -14876,7 +15003,7 @@
           <a:lstStyle/>
           <a:p>
             <a:r>
-              <a:rPr lang="en-US" sz="6600" b="1" dirty="0">
+              <a:rPr lang="en-US" sz="5400" b="1" dirty="0">
                 <a:latin typeface="Adobe Naskh Medium" pitchFamily="2" charset="-78"/>
                 <a:cs typeface="Adobe Naskh Medium" pitchFamily="2" charset="-78"/>
               </a:rPr>
@@ -15437,7 +15564,7 @@
       </p:sp>
       <p:pic>
         <p:nvPicPr>
-          <p:cNvPr id="12" name="Picture 11" descr="A picture containing clipart&#13;&#10;&#13;&#10;Description automatically generated">
+          <p:cNvPr id="12" name="Picture 11" descr="A picture containing clipart&#10;&#10;Description automatically generated">
             <a:extLst>
               <a:ext uri="{FF2B5EF4-FFF2-40B4-BE49-F238E27FC236}">
                 <a16:creationId xmlns:a16="http://schemas.microsoft.com/office/drawing/2014/main" id="{207A2385-E1A4-FB4B-BDBB-ECCB6D416172}"/>
@@ -15560,7 +15687,7 @@
       </p:sp>
       <p:pic>
         <p:nvPicPr>
-          <p:cNvPr id="8" name="Picture 7" descr="A screenshot of a cell phone&#13;&#10;&#13;&#10;Description automatically generated">
+          <p:cNvPr id="8" name="Picture 7" descr="A screenshot of a cell phone&#10;&#10;Description automatically generated">
             <a:extLst>
               <a:ext uri="{FF2B5EF4-FFF2-40B4-BE49-F238E27FC236}">
                 <a16:creationId xmlns:a16="http://schemas.microsoft.com/office/drawing/2014/main" id="{B5992703-AB12-2A4F-B6A0-B24ACB202342}"/>
@@ -15630,6 +15757,14 @@
   <p:clrMapOvr>
     <a:overrideClrMapping bg1="dk1" tx1="lt1" bg2="dk2" tx2="lt2" accent1="accent1" accent2="accent2" accent3="accent3" accent4="accent4" accent5="accent5" accent6="accent6" hlink="hlink" folHlink="folHlink"/>
   </p:clrMapOvr>
+  <mc:AlternateContent xmlns:mc="http://schemas.openxmlformats.org/markup-compatibility/2006">
+    <mc:Choice xmlns:p14="http://schemas.microsoft.com/office/powerpoint/2010/main" Requires="p14">
+      <p:transition spd="slow" p14:dur="2000" advClick="0" advTm="9000"/>
+    </mc:Choice>
+    <mc:Fallback>
+      <p:transition spd="slow" advClick="0" advTm="9000"/>
+    </mc:Fallback>
+  </mc:AlternateContent>
   <p:timing>
     <p:tnLst>
       <p:par>
@@ -15722,9 +15857,8 @@
     <p:bg>
       <p:bgPr>
         <a:solidFill>
-          <a:schemeClr val="tx1">
-            <a:lumMod val="50000"/>
-            <a:lumOff val="50000"/>
+          <a:schemeClr val="bg1">
+            <a:lumMod val="65000"/>
           </a:schemeClr>
         </a:solidFill>
         <a:effectLst/>
@@ -15762,7 +15896,7 @@
         </p:nvSpPr>
         <p:spPr>
           <a:xfrm>
-            <a:off x="2755672" y="293504"/>
+            <a:off x="2859736" y="181521"/>
             <a:ext cx="6256283" cy="375419"/>
           </a:xfrm>
         </p:spPr>
@@ -15781,7 +15915,17 @@
                 <a:latin typeface="Adobe Naskh Medium" pitchFamily="2" charset="-78"/>
                 <a:cs typeface="Adobe Naskh Medium" pitchFamily="2" charset="-78"/>
               </a:rPr>
-              <a:t>Bad Loan Predictor</a:t>
+              <a:t>Bad Loan </a:t>
+            </a:r>
+            <a:r>
+              <a:rPr lang="en-US" sz="5400" b="1" dirty="0">
+                <a:solidFill>
+                  <a:schemeClr val="bg1"/>
+                </a:solidFill>
+                <a:latin typeface="Adobe Naskh Medium" pitchFamily="2" charset="-78"/>
+                <a:cs typeface="Adobe Naskh Medium" pitchFamily="2" charset="-78"/>
+              </a:rPr>
+              <a:t>Predictor</a:t>
             </a:r>
           </a:p>
         </p:txBody>
@@ -17256,7 +17400,7 @@
         </p:nvSpPr>
         <p:spPr>
           <a:xfrm>
-            <a:off x="518937" y="1103861"/>
+            <a:off x="567362" y="1103861"/>
             <a:ext cx="10828279" cy="632133"/>
           </a:xfrm>
           <a:prstGeom prst="roundRect">
@@ -17311,8 +17455,8 @@
         </p:nvSpPr>
         <p:spPr>
           <a:xfrm>
-            <a:off x="653213" y="1199988"/>
-            <a:ext cx="927539" cy="523220"/>
+            <a:off x="653213" y="1130738"/>
+            <a:ext cx="1164585" cy="523220"/>
           </a:xfrm>
           <a:prstGeom prst="rect">
             <a:avLst/>
@@ -17326,6 +17470,16 @@
           <a:lstStyle/>
           <a:p>
             <a:r>
+              <a:rPr lang="en-US" sz="2400" dirty="0">
+                <a:solidFill>
+                  <a:schemeClr val="bg1"/>
+                </a:solidFill>
+                <a:latin typeface="Adobe Naskh Medium" pitchFamily="2" charset="-78"/>
+                <a:cs typeface="Adobe Naskh Medium" pitchFamily="2" charset="-78"/>
+              </a:rPr>
+              <a:t>Status</a:t>
+            </a:r>
+            <a:r>
               <a:rPr lang="en-US" sz="2800" dirty="0">
                 <a:solidFill>
                   <a:schemeClr val="bg1"/>
@@ -17333,7 +17487,7 @@
                 <a:latin typeface="Adobe Naskh Medium" pitchFamily="2" charset="-78"/>
                 <a:cs typeface="Adobe Naskh Medium" pitchFamily="2" charset="-78"/>
               </a:rPr>
-              <a:t>Status:</a:t>
+              <a:t>:</a:t>
             </a:r>
           </a:p>
         </p:txBody>
@@ -17556,42 +17710,6 @@
           </a:p>
         </p:txBody>
       </p:sp>
-      <p:pic>
-        <p:nvPicPr>
-          <p:cNvPr id="71" name="Graphic 70" descr="Bulls-eye">
-            <a:extLst>
-              <a:ext uri="{FF2B5EF4-FFF2-40B4-BE49-F238E27FC236}">
-                <a16:creationId xmlns:a16="http://schemas.microsoft.com/office/drawing/2014/main" id="{A4C74ACB-E28D-8B41-B46D-A57E18E994AF}"/>
-              </a:ext>
-            </a:extLst>
-          </p:cNvPr>
-          <p:cNvPicPr>
-            <a:picLocks noChangeAspect="1"/>
-          </p:cNvPicPr>
-          <p:nvPr/>
-        </p:nvPicPr>
-        <p:blipFill>
-          <a:blip r:embed="rId3">
-            <a:extLst>
-              <a:ext uri="{96DAC541-7B7A-43D3-8B79-37D633B846F1}">
-                <asvg:svgBlip xmlns:asvg="http://schemas.microsoft.com/office/drawing/2016/SVG/main" r:embed="rId4"/>
-              </a:ext>
-            </a:extLst>
-          </a:blip>
-          <a:stretch>
-            <a:fillRect/>
-          </a:stretch>
-        </p:blipFill>
-        <p:spPr>
-          <a:xfrm>
-            <a:off x="7911986" y="152807"/>
-            <a:ext cx="526825" cy="526825"/>
-          </a:xfrm>
-          <a:prstGeom prst="rect">
-            <a:avLst/>
-          </a:prstGeom>
-        </p:spPr>
-      </p:pic>
       <p:cxnSp>
         <p:nvCxnSpPr>
           <p:cNvPr id="72" name="Straight Connector 71">
@@ -17734,10 +17852,10 @@
           <p:nvPr/>
         </p:nvPicPr>
         <p:blipFill>
-          <a:blip r:embed="rId5">
+          <a:blip r:embed="rId3">
             <a:extLst>
               <a:ext uri="{96DAC541-7B7A-43D3-8B79-37D633B846F1}">
-                <asvg:svgBlip xmlns:asvg="http://schemas.microsoft.com/office/drawing/2016/SVG/main" r:embed="rId6"/>
+                <asvg:svgBlip xmlns:asvg="http://schemas.microsoft.com/office/drawing/2016/SVG/main" r:embed="rId4"/>
               </a:ext>
             </a:extLst>
           </a:blip>
@@ -17747,7 +17865,7 @@
         </p:blipFill>
         <p:spPr>
           <a:xfrm>
-            <a:off x="10622759" y="2650253"/>
+            <a:off x="10794055" y="2693698"/>
             <a:ext cx="1365788" cy="1365788"/>
           </a:xfrm>
           <a:prstGeom prst="rect">
@@ -17920,6 +18038,14 @@
   <p:clrMapOvr>
     <a:masterClrMapping/>
   </p:clrMapOvr>
+  <mc:AlternateContent xmlns:mc="http://schemas.openxmlformats.org/markup-compatibility/2006">
+    <mc:Choice xmlns:p14="http://schemas.microsoft.com/office/powerpoint/2010/main" Requires="p14">
+      <p:transition spd="slow" p14:dur="2000" advClick="0" advTm="9000"/>
+    </mc:Choice>
+    <mc:Fallback>
+      <p:transition spd="slow" advClick="0" advTm="9000"/>
+    </mc:Fallback>
+  </mc:AlternateContent>
   <p:timing>
     <p:tnLst>
       <p:par>
@@ -18468,6 +18594,14 @@
   <p:clrMapOvr>
     <a:masterClrMapping/>
   </p:clrMapOvr>
+  <mc:AlternateContent xmlns:mc="http://schemas.openxmlformats.org/markup-compatibility/2006">
+    <mc:Choice xmlns:p14="http://schemas.microsoft.com/office/powerpoint/2010/main" Requires="p14">
+      <p:transition spd="slow" p14:dur="2000" advClick="0" advTm="9000"/>
+    </mc:Choice>
+    <mc:Fallback>
+      <p:transition spd="slow" advClick="0" advTm="9000"/>
+    </mc:Fallback>
+  </mc:AlternateContent>
 </p:sld>
 </file>
 
@@ -18586,19 +18720,19 @@
         </p:nvSpPr>
         <p:spPr>
           <a:xfrm>
-            <a:off x="674237" y="1021975"/>
-            <a:ext cx="3657600" cy="2036269"/>
+            <a:off x="674237" y="618981"/>
+            <a:ext cx="3657600" cy="2439264"/>
           </a:xfrm>
         </p:spPr>
         <p:txBody>
           <a:bodyPr vert="horz" lIns="91440" tIns="45720" rIns="91440" bIns="45720" rtlCol="0" anchor="b">
-            <a:normAutofit fontScale="90000"/>
+            <a:noAutofit/>
           </a:bodyPr>
           <a:lstStyle/>
           <a:p>
             <a:pPr algn="ctr"/>
             <a:r>
-              <a:rPr lang="en-US" sz="6000" kern="1200" dirty="0">
+              <a:rPr lang="en-US" kern="1200" dirty="0">
                 <a:solidFill>
                   <a:srgbClr val="FFFFFF"/>
                 </a:solidFill>
@@ -18683,7 +18817,7 @@
             <a:avLst/>
           </a:prstGeom>
           <a:solidFill>
-            <a:schemeClr val="accent5"/>
+            <a:schemeClr val="bg1"/>
           </a:solidFill>
           <a:ln>
             <a:solidFill>
@@ -18784,6 +18918,14 @@
   <p:clrMapOvr>
     <a:masterClrMapping/>
   </p:clrMapOvr>
+  <mc:AlternateContent xmlns:mc="http://schemas.openxmlformats.org/markup-compatibility/2006">
+    <mc:Choice xmlns:p14="http://schemas.microsoft.com/office/powerpoint/2010/main" Requires="p14">
+      <p:transition spd="slow" p14:dur="2000" advClick="0" advTm="9000"/>
+    </mc:Choice>
+    <mc:Fallback>
+      <p:transition spd="slow" advClick="0" advTm="9000"/>
+    </mc:Fallback>
+  </mc:AlternateContent>
 </p:sld>
 </file>
 
@@ -18924,24 +19066,22 @@
         </p:nvSpPr>
         <p:spPr>
           <a:xfrm>
-            <a:off x="526073" y="466579"/>
-            <a:ext cx="11139854" cy="1312346"/>
+            <a:off x="378068" y="478303"/>
+            <a:ext cx="11287859" cy="970328"/>
           </a:xfrm>
         </p:spPr>
         <p:txBody>
           <a:bodyPr vert="horz" lIns="91440" tIns="45720" rIns="91440" bIns="45720" rtlCol="0" anchor="b">
-            <a:normAutofit fontScale="90000"/>
+            <a:noAutofit/>
           </a:bodyPr>
           <a:lstStyle/>
           <a:p>
             <a:pPr algn="ctr"/>
             <a:r>
-              <a:rPr lang="en-US" sz="9600" kern="1200" dirty="0">
+              <a:rPr lang="en-US" sz="5400" dirty="0">
                 <a:solidFill>
                   <a:srgbClr val="FFFFFF"/>
                 </a:solidFill>
-                <a:latin typeface="Adobe Naskh Medium" pitchFamily="2" charset="-78"/>
-                <a:cs typeface="Adobe Naskh Medium" pitchFamily="2" charset="-78"/>
               </a:rPr>
               <a:t>Data Cleaning &amp; Munging</a:t>
             </a:r>
@@ -19042,6 +19182,14 @@
   <p:clrMapOvr>
     <a:masterClrMapping/>
   </p:clrMapOvr>
+  <mc:AlternateContent xmlns:mc="http://schemas.openxmlformats.org/markup-compatibility/2006">
+    <mc:Choice xmlns:p14="http://schemas.microsoft.com/office/powerpoint/2010/main" Requires="p14">
+      <p:transition spd="slow" p14:dur="2000" advClick="0" advTm="9000"/>
+    </mc:Choice>
+    <mc:Fallback>
+      <p:transition spd="slow" advClick="0" advTm="9000"/>
+    </mc:Fallback>
+  </mc:AlternateContent>
 </p:sld>
 </file>
 
@@ -19197,7 +19345,7 @@
           <a:p>
             <a:pPr algn="ctr"/>
             <a:r>
-              <a:rPr lang="en-US" sz="5400" kern="1200">
+              <a:rPr lang="en-US" sz="5400" kern="1200" dirty="0">
                 <a:solidFill>
                   <a:srgbClr val="FFFFFF"/>
                 </a:solidFill>
@@ -19304,6 +19452,14 @@
   <p:clrMapOvr>
     <a:masterClrMapping/>
   </p:clrMapOvr>
+  <mc:AlternateContent xmlns:mc="http://schemas.openxmlformats.org/markup-compatibility/2006">
+    <mc:Choice xmlns:p14="http://schemas.microsoft.com/office/powerpoint/2010/main" Requires="p14">
+      <p:transition spd="slow" p14:dur="2000" advClick="0" advTm="9000"/>
+    </mc:Choice>
+    <mc:Fallback>
+      <p:transition spd="slow" advClick="0" advTm="9000"/>
+    </mc:Fallback>
+  </mc:AlternateContent>
 </p:sld>
 </file>
 
@@ -19444,19 +19600,19 @@
         </p:nvSpPr>
         <p:spPr>
           <a:xfrm>
-            <a:off x="526073" y="466578"/>
-            <a:ext cx="11139854" cy="1146091"/>
+            <a:off x="542193" y="46268"/>
+            <a:ext cx="11438792" cy="1402363"/>
           </a:xfrm>
         </p:spPr>
         <p:txBody>
           <a:bodyPr vert="horz" lIns="91440" tIns="45720" rIns="91440" bIns="45720" rtlCol="0" anchor="b">
-            <a:normAutofit fontScale="90000"/>
+            <a:noAutofit/>
           </a:bodyPr>
           <a:lstStyle/>
           <a:p>
             <a:pPr algn="ctr"/>
             <a:r>
-              <a:rPr lang="en-US" sz="7200" kern="1200" dirty="0">
+              <a:rPr lang="en-US" sz="5400" kern="1200" dirty="0">
                 <a:solidFill>
                   <a:srgbClr val="FFFFFF"/>
                 </a:solidFill>
@@ -19562,6 +19718,14 @@
   <p:clrMapOvr>
     <a:masterClrMapping/>
   </p:clrMapOvr>
+  <mc:AlternateContent xmlns:mc="http://schemas.openxmlformats.org/markup-compatibility/2006">
+    <mc:Choice xmlns:p14="http://schemas.microsoft.com/office/powerpoint/2010/main" Requires="p14">
+      <p:transition spd="slow" p14:dur="2000" advClick="0" advTm="9000"/>
+    </mc:Choice>
+    <mc:Fallback>
+      <p:transition spd="slow" advClick="0" advTm="9000"/>
+    </mc:Fallback>
+  </mc:AlternateContent>
 </p:sld>
 </file>
 
@@ -19712,12 +19876,12 @@
         </p:spPr>
         <p:txBody>
           <a:bodyPr>
-            <a:normAutofit fontScale="90000"/>
+            <a:normAutofit/>
           </a:bodyPr>
           <a:lstStyle/>
           <a:p>
             <a:r>
-              <a:rPr lang="en-US" sz="6000" dirty="0">
+              <a:rPr lang="en-US" sz="5000" dirty="0">
                 <a:solidFill>
                   <a:srgbClr val="FFFFFF"/>
                 </a:solidFill>
@@ -19859,6 +20023,14 @@
   <p:clrMapOvr>
     <a:masterClrMapping/>
   </p:clrMapOvr>
+  <mc:AlternateContent xmlns:mc="http://schemas.openxmlformats.org/markup-compatibility/2006">
+    <mc:Choice xmlns:p14="http://schemas.microsoft.com/office/powerpoint/2010/main" Requires="p14">
+      <p:transition spd="slow" p14:dur="2000" advClick="0" advTm="9000"/>
+    </mc:Choice>
+    <mc:Fallback>
+      <p:transition spd="slow" advClick="0" advTm="9000"/>
+    </mc:Fallback>
+  </mc:AlternateContent>
   <p:timing>
     <p:tnLst>
       <p:par>
